--- a/Templates/Pr�si.pptx
+++ b/Templates/Pr�si.pptx
@@ -9,7 +9,7 @@
   </p:notesMasterIdLst>
   <p:sldIdLst>
     <p:sldId id="256" r:id="rId2"/>
-    <p:sldId id="257" r:id="rId3"/>
+    <p:sldId id="259" r:id="rId3"/>
   </p:sldIdLst>
   <p:sldSz cx="9144000" cy="6858000" type="screen4x3"/>
   <p:notesSz cx="6858000" cy="9144000"/>
@@ -200,7 +200,7 @@
             <a:fld id="{5FA7A704-9F1C-4FD3-85D1-57AF2D7FD0E8}" type="datetimeFigureOut">
               <a:rPr lang="en-US" smtClean="0"/>
               <a:pPr/>
-              <a:t>3/23/2012</a:t>
+              <a:t>4/19/2012</a:t>
             </a:fld>
             <a:endParaRPr lang="en-US" dirty="0"/>
           </a:p>
@@ -471,6 +471,176 @@
 </p:notesMaster>
 </file>
 
+<file path=ppt/notesSlides/notesSlide1.xml><?xml version="1.0" encoding="utf-8"?>
+<p:notes xmlns:a="http://schemas.openxmlformats.org/drawingml/2006/main" xmlns:r="http://schemas.openxmlformats.org/officeDocument/2006/relationships" xmlns:p="http://schemas.openxmlformats.org/presentationml/2006/main">
+  <p:cSld>
+    <p:spTree>
+      <p:nvGrpSpPr>
+        <p:cNvPr id="1" name=""/>
+        <p:cNvGrpSpPr/>
+        <p:nvPr/>
+      </p:nvGrpSpPr>
+      <p:grpSpPr>
+        <a:xfrm>
+          <a:off x="0" y="0"/>
+          <a:ext cx="0" cy="0"/>
+          <a:chOff x="0" y="0"/>
+          <a:chExt cx="0" cy="0"/>
+        </a:xfrm>
+      </p:grpSpPr>
+      <p:sp>
+        <p:nvSpPr>
+          <p:cNvPr id="2" name="Folienbildplatzhalter 1"/>
+          <p:cNvSpPr>
+            <a:spLocks noGrp="1" noRot="1" noChangeAspect="1"/>
+          </p:cNvSpPr>
+          <p:nvPr>
+            <p:ph type="sldImg"/>
+          </p:nvPr>
+        </p:nvSpPr>
+        <p:spPr/>
+      </p:sp>
+      <p:sp>
+        <p:nvSpPr>
+          <p:cNvPr id="3" name="Notizenplatzhalter 2"/>
+          <p:cNvSpPr>
+            <a:spLocks noGrp="1"/>
+          </p:cNvSpPr>
+          <p:nvPr>
+            <p:ph type="body" idx="1"/>
+          </p:nvPr>
+        </p:nvSpPr>
+        <p:spPr/>
+        <p:txBody>
+          <a:bodyPr/>
+          <a:lstStyle/>
+          <a:p>
+            <a:endParaRPr lang="de-DE" dirty="0"/>
+          </a:p>
+        </p:txBody>
+      </p:sp>
+      <p:sp>
+        <p:nvSpPr>
+          <p:cNvPr id="4" name="Foliennummernplatzhalter 3"/>
+          <p:cNvSpPr>
+            <a:spLocks noGrp="1"/>
+          </p:cNvSpPr>
+          <p:nvPr>
+            <p:ph type="sldNum" sz="quarter" idx="10"/>
+          </p:nvPr>
+        </p:nvSpPr>
+        <p:spPr/>
+        <p:txBody>
+          <a:bodyPr/>
+          <a:lstStyle/>
+          <a:p>
+            <a:fld id="{F7EBFB8C-BBFF-4397-A51C-1E92596422A9}" type="slidenum">
+              <a:rPr lang="en-US" smtClean="0"/>
+              <a:pPr/>
+              <a:t>1</a:t>
+            </a:fld>
+            <a:endParaRPr lang="en-US" dirty="0"/>
+          </a:p>
+        </p:txBody>
+      </p:sp>
+    </p:spTree>
+    <p:extLst>
+      <p:ext uri="{BB962C8B-B14F-4D97-AF65-F5344CB8AC3E}">
+        <p14:creationId xmlns:p14="http://schemas.microsoft.com/office/powerpoint/2010/main" val="2116472317"/>
+      </p:ext>
+    </p:extLst>
+  </p:cSld>
+  <p:clrMapOvr>
+    <a:masterClrMapping/>
+  </p:clrMapOvr>
+</p:notes>
+</file>
+
+<file path=ppt/notesSlides/notesSlide2.xml><?xml version="1.0" encoding="utf-8"?>
+<p:notes xmlns:a="http://schemas.openxmlformats.org/drawingml/2006/main" xmlns:r="http://schemas.openxmlformats.org/officeDocument/2006/relationships" xmlns:p="http://schemas.openxmlformats.org/presentationml/2006/main">
+  <p:cSld>
+    <p:spTree>
+      <p:nvGrpSpPr>
+        <p:cNvPr id="1" name=""/>
+        <p:cNvGrpSpPr/>
+        <p:nvPr/>
+      </p:nvGrpSpPr>
+      <p:grpSpPr>
+        <a:xfrm>
+          <a:off x="0" y="0"/>
+          <a:ext cx="0" cy="0"/>
+          <a:chOff x="0" y="0"/>
+          <a:chExt cx="0" cy="0"/>
+        </a:xfrm>
+      </p:grpSpPr>
+      <p:sp>
+        <p:nvSpPr>
+          <p:cNvPr id="2" name="Folienbildplatzhalter 1"/>
+          <p:cNvSpPr>
+            <a:spLocks noGrp="1" noRot="1" noChangeAspect="1"/>
+          </p:cNvSpPr>
+          <p:nvPr>
+            <p:ph type="sldImg"/>
+          </p:nvPr>
+        </p:nvSpPr>
+        <p:spPr/>
+      </p:sp>
+      <p:sp>
+        <p:nvSpPr>
+          <p:cNvPr id="3" name="Notizenplatzhalter 2"/>
+          <p:cNvSpPr>
+            <a:spLocks noGrp="1"/>
+          </p:cNvSpPr>
+          <p:nvPr>
+            <p:ph type="body" idx="1"/>
+          </p:nvPr>
+        </p:nvSpPr>
+        <p:spPr/>
+        <p:txBody>
+          <a:bodyPr/>
+          <a:lstStyle/>
+          <a:p>
+            <a:endParaRPr lang="de-DE"/>
+          </a:p>
+        </p:txBody>
+      </p:sp>
+      <p:sp>
+        <p:nvSpPr>
+          <p:cNvPr id="4" name="Foliennummernplatzhalter 3"/>
+          <p:cNvSpPr>
+            <a:spLocks noGrp="1"/>
+          </p:cNvSpPr>
+          <p:nvPr>
+            <p:ph type="sldNum" sz="quarter" idx="10"/>
+          </p:nvPr>
+        </p:nvSpPr>
+        <p:spPr/>
+        <p:txBody>
+          <a:bodyPr/>
+          <a:lstStyle/>
+          <a:p>
+            <a:fld id="{F7EBFB8C-BBFF-4397-A51C-1E92596422A9}" type="slidenum">
+              <a:rPr lang="en-US" smtClean="0"/>
+              <a:pPr/>
+              <a:t>2</a:t>
+            </a:fld>
+            <a:endParaRPr lang="en-US" dirty="0"/>
+          </a:p>
+        </p:txBody>
+      </p:sp>
+    </p:spTree>
+    <p:extLst>
+      <p:ext uri="{BB962C8B-B14F-4D97-AF65-F5344CB8AC3E}">
+        <p14:creationId xmlns:p14="http://schemas.microsoft.com/office/powerpoint/2010/main" val="517533983"/>
+      </p:ext>
+    </p:extLst>
+  </p:cSld>
+  <p:clrMapOvr>
+    <a:masterClrMapping/>
+  </p:clrMapOvr>
+</p:notes>
+</file>
+
 <file path=ppt/slideLayouts/slideLayout1.xml><?xml version="1.0" encoding="utf-8"?>
 <p:sldLayout xmlns:a="http://schemas.openxmlformats.org/drawingml/2006/main" xmlns:r="http://schemas.openxmlformats.org/officeDocument/2006/relationships" xmlns:p="http://schemas.openxmlformats.org/presentationml/2006/main" type="title" preserve="1">
   <p:cSld name="Titelfolie">
@@ -603,11 +773,10 @@
             <a:extLst/>
           </a:lstStyle>
           <a:p>
-            <a:fld id="{87F4EE5A-C1DD-4EFE-95E5-0FB67103C2F5}" type="datetime1">
-              <a:rPr lang="de-DE" smtClean="0"/>
-              <a:pPr/>
-              <a:t>23.03.2012</a:t>
-            </a:fld>
+            <a:r>
+              <a:rPr lang="de-DE" smtClean="0"/>
+              <a:t>21.04.2012</a:t>
+            </a:r>
             <a:endParaRPr lang="en-US" dirty="0"/>
           </a:p>
         </p:txBody>
@@ -819,6 +988,13 @@
   <p:clrMapOvr>
     <a:masterClrMapping/>
   </p:clrMapOvr>
+  <p:timing>
+    <p:tnLst>
+      <p:par>
+        <p:cTn id="1" dur="indefinite" restart="never" nodeType="tmRoot"/>
+      </p:par>
+    </p:tnLst>
+  </p:timing>
 </p:sldLayout>
 </file>
 
@@ -935,11 +1111,10 @@
             <a:extLst/>
           </a:lstStyle>
           <a:p>
-            <a:fld id="{7190D90B-1476-442B-AB70-B451934AD612}" type="datetime1">
-              <a:rPr lang="de-DE" smtClean="0"/>
-              <a:pPr/>
-              <a:t>23.03.2012</a:t>
-            </a:fld>
+            <a:r>
+              <a:rPr lang="de-DE" smtClean="0"/>
+              <a:t>21.04.2012</a:t>
+            </a:r>
             <a:endParaRPr lang="en-US"/>
           </a:p>
         </p:txBody>
@@ -1139,11 +1314,10 @@
             <a:extLst/>
           </a:lstStyle>
           <a:p>
-            <a:fld id="{2AFEC13B-6E2E-413E-AFED-F8437AEED60B}" type="datetime1">
-              <a:rPr lang="de-DE" smtClean="0"/>
-              <a:pPr/>
-              <a:t>23.03.2012</a:t>
-            </a:fld>
+            <a:r>
+              <a:rPr lang="de-DE" smtClean="0"/>
+              <a:t>21.04.2012</a:t>
+            </a:r>
             <a:endParaRPr lang="en-US"/>
           </a:p>
         </p:txBody>
@@ -1333,11 +1507,10 @@
             <a:extLst/>
           </a:lstStyle>
           <a:p>
-            <a:fld id="{C36EE0BA-1813-4F03-A7FF-2961A19A94F1}" type="datetime1">
-              <a:rPr lang="de-DE" smtClean="0"/>
-              <a:pPr/>
-              <a:t>23.03.2012</a:t>
-            </a:fld>
+            <a:r>
+              <a:rPr lang="de-DE" smtClean="0"/>
+              <a:t>21.04.2012</a:t>
+            </a:r>
             <a:endParaRPr lang="en-US"/>
           </a:p>
         </p:txBody>
@@ -1411,6 +1584,13 @@
   <p:clrMapOvr>
     <a:masterClrMapping/>
   </p:clrMapOvr>
+  <p:timing>
+    <p:tnLst>
+      <p:par>
+        <p:cTn id="1" dur="indefinite" restart="never" nodeType="tmRoot"/>
+      </p:par>
+    </p:tnLst>
+  </p:timing>
 </p:sldLayout>
 </file>
 
@@ -1620,11 +1800,10 @@
             <a:extLst/>
           </a:lstStyle>
           <a:p>
-            <a:fld id="{846014CB-8320-4632-905E-6DE46115599D}" type="datetime1">
-              <a:rPr lang="de-DE" smtClean="0"/>
-              <a:pPr/>
-              <a:t>23.03.2012</a:t>
-            </a:fld>
+            <a:r>
+              <a:rPr lang="de-DE" smtClean="0"/>
+              <a:t>21.04.2012</a:t>
+            </a:r>
             <a:endParaRPr lang="en-US"/>
           </a:p>
         </p:txBody>
@@ -1892,6 +2071,13 @@
   <p:clrMapOvr>
     <a:masterClrMapping/>
   </p:clrMapOvr>
+  <p:timing>
+    <p:tnLst>
+      <p:par>
+        <p:cTn id="1" dur="indefinite" restart="never" nodeType="tmRoot"/>
+      </p:par>
+    </p:tnLst>
+  </p:timing>
 </p:sldLayout>
 </file>
 
@@ -2376,11 +2562,10 @@
             <a:extLst/>
           </a:lstStyle>
           <a:p>
-            <a:fld id="{144E3B6B-3488-4BBC-BBD3-845EEE947D4F}" type="datetime1">
-              <a:rPr lang="de-DE" smtClean="0"/>
-              <a:pPr/>
-              <a:t>23.03.2012</a:t>
-            </a:fld>
+            <a:r>
+              <a:rPr lang="de-DE" smtClean="0"/>
+              <a:t>21.04.2012</a:t>
+            </a:r>
             <a:endParaRPr lang="en-US"/>
           </a:p>
         </p:txBody>
@@ -2454,6 +2639,13 @@
   <p:clrMapOvr>
     <a:masterClrMapping/>
   </p:clrMapOvr>
+  <p:timing>
+    <p:tnLst>
+      <p:par>
+        <p:cTn id="1" dur="indefinite" restart="never" nodeType="tmRoot"/>
+      </p:par>
+    </p:tnLst>
+  </p:timing>
 </p:sldLayout>
 </file>
 
@@ -2884,11 +3076,10 @@
             <a:extLst/>
           </a:lstStyle>
           <a:p>
-            <a:fld id="{32CE62F3-DA57-4823-90DE-03648185A2D5}" type="datetime1">
-              <a:rPr lang="de-DE" smtClean="0"/>
-              <a:pPr/>
-              <a:t>23.03.2012</a:t>
-            </a:fld>
+            <a:r>
+              <a:rPr lang="de-DE" smtClean="0"/>
+              <a:t>21.04.2012</a:t>
+            </a:r>
             <a:endParaRPr lang="en-US"/>
           </a:p>
         </p:txBody>
@@ -2957,6 +3148,13 @@
   <p:clrMapOvr>
     <a:masterClrMapping/>
   </p:clrMapOvr>
+  <p:timing>
+    <p:tnLst>
+      <p:par>
+        <p:cTn id="1" dur="indefinite" restart="never" nodeType="tmRoot"/>
+      </p:par>
+    </p:tnLst>
+  </p:timing>
 </p:sldLayout>
 </file>
 
@@ -3024,11 +3222,10 @@
             <a:extLst/>
           </a:lstStyle>
           <a:p>
-            <a:fld id="{283F3A1C-3DD2-4696-A4AC-B4A92223BCA9}" type="datetime1">
-              <a:rPr lang="de-DE" smtClean="0"/>
-              <a:pPr/>
-              <a:t>23.03.2012</a:t>
-            </a:fld>
+            <a:r>
+              <a:rPr lang="de-DE" smtClean="0"/>
+              <a:t>21.04.2012</a:t>
+            </a:r>
             <a:endParaRPr lang="en-US"/>
           </a:p>
         </p:txBody>
@@ -3097,6 +3294,13 @@
   <p:clrMapOvr>
     <a:masterClrMapping/>
   </p:clrMapOvr>
+  <p:timing>
+    <p:tnLst>
+      <p:par>
+        <p:cTn id="1" dur="indefinite" restart="never" nodeType="tmRoot"/>
+      </p:par>
+    </p:tnLst>
+  </p:timing>
 </p:sldLayout>
 </file>
 
@@ -3182,11 +3386,10 @@
             <a:extLst/>
           </a:lstStyle>
           <a:p>
-            <a:fld id="{27D1E9A0-DE1E-4100-8BDF-DBFE2EDC9C05}" type="datetime1">
-              <a:rPr lang="de-DE" smtClean="0"/>
-              <a:pPr/>
-              <a:t>23.03.2012</a:t>
-            </a:fld>
+            <a:r>
+              <a:rPr lang="de-DE" smtClean="0"/>
+              <a:t>21.04.2012</a:t>
+            </a:r>
             <a:endParaRPr lang="en-US"/>
           </a:p>
         </p:txBody>
@@ -3523,11 +3726,10 @@
             <a:extLst/>
           </a:lstStyle>
           <a:p>
-            <a:fld id="{427F7BCA-003F-4BED-B92D-E8C76DE2C8AB}" type="datetime1">
-              <a:rPr lang="de-DE" smtClean="0"/>
-              <a:pPr/>
-              <a:t>23.03.2012</a:t>
-            </a:fld>
+            <a:r>
+              <a:rPr lang="de-DE" smtClean="0"/>
+              <a:t>21.04.2012</a:t>
+            </a:r>
             <a:endParaRPr lang="en-US"/>
           </a:p>
         </p:txBody>
@@ -3676,11 +3878,10 @@
             <a:extLst/>
           </a:lstStyle>
           <a:p>
-            <a:fld id="{ED2317BF-AE00-4490-9890-A9CD6D0D74E0}" type="datetime1">
-              <a:rPr lang="de-DE" smtClean="0"/>
-              <a:pPr/>
-              <a:t>23.03.2012</a:t>
-            </a:fld>
+            <a:r>
+              <a:rPr lang="de-DE" smtClean="0"/>
+              <a:t>21.04.2012</a:t>
+            </a:r>
             <a:endParaRPr lang="en-US"/>
           </a:p>
         </p:txBody>
@@ -4478,8 +4679,8 @@
           <a:p>
             <a:pPr algn="r"/>
             <a:r>
-              <a:rPr lang="de-DE" dirty="0" smtClean="0"/>
-              <a:t>23.03.2012</a:t>
+              <a:rPr lang="de-DE" smtClean="0"/>
+              <a:t>21.04.2012</a:t>
             </a:r>
             <a:endParaRPr lang="en-US" sz="1200" dirty="0">
               <a:solidFill>
@@ -4658,6 +4859,36 @@
           </a:p>
         </p:txBody>
       </p:sp>
+      <p:pic>
+        <p:nvPicPr>
+          <p:cNvPr id="13" name="Grafik 12"/>
+          <p:cNvPicPr>
+            <a:picLocks noChangeAspect="1"/>
+          </p:cNvPicPr>
+          <p:nvPr userDrawn="1"/>
+        </p:nvPicPr>
+        <p:blipFill>
+          <a:blip r:embed="rId13">
+            <a:extLst>
+              <a:ext uri="{28A0092B-C50C-407E-A947-70E740481C1C}">
+                <a14:useLocalDpi xmlns:a14="http://schemas.microsoft.com/office/drawing/2010/main" val="0"/>
+              </a:ext>
+            </a:extLst>
+          </a:blip>
+          <a:stretch>
+            <a:fillRect/>
+          </a:stretch>
+        </p:blipFill>
+        <p:spPr>
+          <a:xfrm>
+            <a:off x="7693048" y="285352"/>
+            <a:ext cx="1236003" cy="1000125"/>
+          </a:xfrm>
+          <a:prstGeom prst="rect">
+            <a:avLst/>
+          </a:prstGeom>
+        </p:spPr>
+      </p:pic>
     </p:spTree>
   </p:cSld>
   <p:clrMap bg1="lt1" tx1="dk1" bg2="lt2" tx2="dk2" accent1="accent1" accent2="accent2" accent3="accent3" accent4="accent4" accent5="accent5" accent6="accent6" hlink="hlink" folHlink="folHlink"/>
@@ -4674,6 +4905,13 @@
     <p:sldLayoutId id="2147483754" r:id="rId10"/>
     <p:sldLayoutId id="2147483755" r:id="rId11"/>
   </p:sldLayoutIdLst>
+  <p:timing>
+    <p:tnLst>
+      <p:par>
+        <p:cTn id="1" dur="indefinite" restart="never" nodeType="tmRoot"/>
+      </p:par>
+    </p:tnLst>
+  </p:timing>
   <p:hf hdr="0"/>
   <p:txStyles>
     <p:titleStyle>
@@ -4998,7 +5236,7 @@
             <a:spLocks noGrp="1"/>
           </p:cNvSpPr>
           <p:nvPr>
-            <p:ph type="ctrTitle"/>
+            <p:ph type="title"/>
           </p:nvPr>
         </p:nvSpPr>
         <p:spPr/>
@@ -5010,9 +5248,16 @@
           <a:p>
             <a:r>
               <a:rPr lang="de-DE" dirty="0" smtClean="0"/>
-              <a:t>Tolle Titel</a:t>
-            </a:r>
-            <a:endParaRPr lang="de-DE" dirty="0" smtClean="0"/>
+              <a:t>Projekt: „</a:t>
+            </a:r>
+            <a:r>
+              <a:rPr lang="de-DE" dirty="0" err="1" smtClean="0"/>
+              <a:t>Eventalizer</a:t>
+            </a:r>
+            <a:r>
+              <a:rPr lang="de-DE" dirty="0" smtClean="0"/>
+              <a:t>“</a:t>
+            </a:r>
           </a:p>
         </p:txBody>
       </p:sp>
@@ -5023,7 +5268,7 @@
             <a:spLocks noGrp="1"/>
           </p:cNvSpPr>
           <p:nvPr>
-            <p:ph type="subTitle" idx="1"/>
+            <p:ph type="body" idx="1"/>
           </p:nvPr>
         </p:nvSpPr>
         <p:spPr/>
@@ -5032,8 +5277,54 @@
           <a:lstStyle/>
           <a:p>
             <a:r>
+              <a:rPr lang="de-DE" dirty="0"/>
+              <a:t>FST </a:t>
+            </a:r>
+            <a:r>
               <a:rPr lang="de-DE" dirty="0" smtClean="0"/>
-              <a:t>Toller Untertitel</a:t>
+              <a:t>(SS 2012) Team </a:t>
+            </a:r>
+            <a:r>
+              <a:rPr lang="de-DE" dirty="0"/>
+              <a:t>5</a:t>
+            </a:r>
+          </a:p>
+          <a:p>
+            <a:r>
+              <a:rPr lang="de-DE" dirty="0" smtClean="0"/>
+              <a:t>Matthias </a:t>
+            </a:r>
+            <a:r>
+              <a:rPr lang="de-DE" dirty="0"/>
+              <a:t>Beer, Alexander </a:t>
+            </a:r>
+            <a:r>
+              <a:rPr lang="de-DE" dirty="0" err="1"/>
+              <a:t>Benölken</a:t>
+            </a:r>
+            <a:r>
+              <a:rPr lang="de-DE" dirty="0"/>
+              <a:t>, Martin </a:t>
+            </a:r>
+            <a:r>
+              <a:rPr lang="de-DE" dirty="0" err="1"/>
+              <a:t>Garrels</a:t>
+            </a:r>
+            <a:r>
+              <a:rPr lang="de-DE" dirty="0"/>
+              <a:t>, Felix Schulze </a:t>
+            </a:r>
+            <a:r>
+              <a:rPr lang="de-DE" dirty="0" err="1"/>
+              <a:t>Mönking</a:t>
+            </a:r>
+            <a:r>
+              <a:rPr lang="de-DE" dirty="0"/>
+              <a:t>, Felix Wessel, Patrick </a:t>
+            </a:r>
+            <a:r>
+              <a:rPr lang="de-DE" dirty="0" err="1"/>
+              <a:t>Wiebeler</a:t>
             </a:r>
             <a:endParaRPr lang="de-DE" dirty="0"/>
           </a:p>
@@ -5048,7 +5339,7 @@
           <p:nvPr/>
         </p:nvPicPr>
         <p:blipFill>
-          <a:blip r:embed="rId2">
+          <a:blip r:embed="rId3">
             <a:extLst>
               <a:ext uri="{28A0092B-C50C-407E-A947-70E740481C1C}">
                 <a14:useLocalDpi xmlns:a14="http://schemas.microsoft.com/office/drawing/2010/main" val="0"/>
@@ -5078,7 +5369,7 @@
           <p:nvPr/>
         </p:nvPicPr>
         <p:blipFill>
-          <a:blip r:embed="rId3">
+          <a:blip r:embed="rId4">
             <a:extLst>
               <a:ext uri="{28A0092B-C50C-407E-A947-70E740481C1C}">
                 <a14:useLocalDpi xmlns:a14="http://schemas.microsoft.com/office/drawing/2010/main" val="0"/>
@@ -5091,7 +5382,7 @@
         </p:blipFill>
         <p:spPr>
           <a:xfrm>
-            <a:off x="1370083" y="5825626"/>
+            <a:off x="2418775" y="5772287"/>
             <a:ext cx="1236003" cy="1000125"/>
           </a:xfrm>
           <a:prstGeom prst="rect">
@@ -5146,7 +5437,12 @@
           <a:bodyPr/>
           <a:lstStyle/>
           <a:p>
-            <a:endParaRPr lang="de-DE"/>
+            <a:pPr algn="l"/>
+            <a:r>
+              <a:rPr lang="de-DE" dirty="0" smtClean="0"/>
+              <a:t>Agenda</a:t>
+            </a:r>
+            <a:endParaRPr lang="de-DE" dirty="0"/>
           </a:p>
         </p:txBody>
       </p:sp>
@@ -5165,7 +5461,49 @@
           <a:bodyPr/>
           <a:lstStyle/>
           <a:p>
-            <a:endParaRPr lang="de-DE"/>
+            <a:r>
+              <a:rPr lang="de-DE" dirty="0" smtClean="0"/>
+              <a:t>Steckbrief</a:t>
+            </a:r>
+          </a:p>
+          <a:p>
+            <a:r>
+              <a:rPr lang="de-DE" dirty="0" smtClean="0"/>
+              <a:t>Projektvorgehen</a:t>
+            </a:r>
+          </a:p>
+          <a:p>
+            <a:r>
+              <a:rPr lang="de-DE" dirty="0" smtClean="0"/>
+              <a:t>Projektorganisation</a:t>
+            </a:r>
+          </a:p>
+          <a:p>
+            <a:r>
+              <a:rPr lang="de-DE" dirty="0" smtClean="0"/>
+              <a:t>Aktuelle Ergebnisse</a:t>
+            </a:r>
+          </a:p>
+          <a:p>
+            <a:pPr lvl="1"/>
+            <a:r>
+              <a:rPr lang="de-DE" dirty="0" smtClean="0"/>
+              <a:t>Architekturentscheidungen</a:t>
+            </a:r>
+          </a:p>
+          <a:p>
+            <a:pPr lvl="1"/>
+            <a:r>
+              <a:rPr lang="de-DE" dirty="0" smtClean="0"/>
+              <a:t>Artefakte Vorgehensmodells</a:t>
+            </a:r>
+          </a:p>
+          <a:p>
+            <a:r>
+              <a:rPr lang="de-DE" dirty="0" smtClean="0"/>
+              <a:t>Zwischenfazit und Ausblick</a:t>
+            </a:r>
+            <a:endParaRPr lang="de-DE" dirty="0"/>
           </a:p>
         </p:txBody>
       </p:sp>
@@ -5184,18 +5522,17 @@
           <a:bodyPr/>
           <a:lstStyle/>
           <a:p>
-            <a:fld id="{C36EE0BA-1813-4F03-A7FF-2961A19A94F1}" type="datetime1">
-              <a:rPr lang="de-DE" smtClean="0"/>
-              <a:pPr/>
-              <a:t>23.03.2012</a:t>
-            </a:fld>
-            <a:endParaRPr lang="en-US"/>
-          </a:p>
-        </p:txBody>
-      </p:sp>
-      <p:sp>
-        <p:nvSpPr>
-          <p:cNvPr id="5" name="Fußzeilenplatzhalter 4"/>
+            <a:r>
+              <a:rPr lang="de-DE" smtClean="0"/>
+              <a:t>21.04.2012</a:t>
+            </a:r>
+            <a:endParaRPr lang="de-DE" dirty="0"/>
+          </a:p>
+        </p:txBody>
+      </p:sp>
+      <p:sp>
+        <p:nvSpPr>
+          <p:cNvPr id="6" name="Fußzeilenplatzhalter 5"/>
           <p:cNvSpPr>
             <a:spLocks noGrp="1"/>
           </p:cNvSpPr>
@@ -5209,8 +5546,16 @@
           <a:lstStyle/>
           <a:p>
             <a:r>
-              <a:rPr lang="de-DE" smtClean="0"/>
-              <a:t>FST Projekt "Eventalizer" (SS 2012) Team 5</a:t>
+              <a:rPr lang="de-DE" dirty="0" smtClean="0"/>
+              <a:t>FST Projekt "</a:t>
+            </a:r>
+            <a:r>
+              <a:rPr lang="de-DE" dirty="0" err="1" smtClean="0"/>
+              <a:t>Eventalizer</a:t>
+            </a:r>
+            <a:r>
+              <a:rPr lang="de-DE" dirty="0" smtClean="0"/>
+              <a:t>" (SS 2012) Team 5</a:t>
             </a:r>
             <a:endParaRPr lang="de-DE" dirty="0"/>
           </a:p>
@@ -5218,7 +5563,7 @@
       </p:sp>
       <p:sp>
         <p:nvSpPr>
-          <p:cNvPr id="6" name="Foliennummernplatzhalter 5"/>
+          <p:cNvPr id="5" name="Foliennummernplatzhalter 4"/>
           <p:cNvSpPr>
             <a:spLocks noGrp="1"/>
           </p:cNvSpPr>
@@ -5231,25 +5576,74 @@
           <a:bodyPr/>
           <a:lstStyle/>
           <a:p>
-            <a:fld id="{990B41CA-569D-40E7-8E58-026C0338B2C8}" type="slidenum">
-              <a:rPr lang="en-US" smtClean="0"/>
+            <a:fld id="{6C6AE60A-B69C-4790-82F7-3882EDF23186}" type="slidenum">
+              <a:rPr lang="de-DE" smtClean="0"/>
               <a:pPr/>
               <a:t>2</a:t>
             </a:fld>
-            <a:endParaRPr lang="en-US"/>
-          </a:p>
-        </p:txBody>
-      </p:sp>
+            <a:endParaRPr lang="de-DE" dirty="0"/>
+          </a:p>
+        </p:txBody>
+      </p:sp>
+      <p:pic>
+        <p:nvPicPr>
+          <p:cNvPr id="7" name="Picture 2" descr="http://homepages.internet.lu/pompjeen-kenzeg/Bilder/agenda.jpg"/>
+          <p:cNvPicPr>
+            <a:picLocks noChangeAspect="1" noChangeArrowheads="1"/>
+          </p:cNvPicPr>
+          <p:nvPr/>
+        </p:nvPicPr>
+        <p:blipFill>
+          <a:blip r:embed="rId3"/>
+          <a:srcRect/>
+          <a:stretch>
+            <a:fillRect/>
+          </a:stretch>
+        </p:blipFill>
+        <p:spPr bwMode="auto">
+          <a:xfrm>
+            <a:off x="6948264" y="4005064"/>
+            <a:ext cx="1643074" cy="1825638"/>
+          </a:xfrm>
+          <a:prstGeom prst="roundRect">
+            <a:avLst>
+              <a:gd name="adj" fmla="val 8594"/>
+            </a:avLst>
+          </a:prstGeom>
+          <a:solidFill>
+            <a:srgbClr val="FFFFFF">
+              <a:shade val="85000"/>
+            </a:srgbClr>
+          </a:solidFill>
+          <a:ln>
+            <a:noFill/>
+          </a:ln>
+          <a:effectLst>
+            <a:reflection blurRad="12700" stA="38000" endPos="28000" dist="5000" dir="5400000" sy="-100000" algn="bl" rotWithShape="0"/>
+          </a:effectLst>
+          <a:scene3d>
+            <a:camera prst="perspectiveLeft"/>
+            <a:lightRig rig="threePt" dir="t"/>
+          </a:scene3d>
+        </p:spPr>
+      </p:pic>
     </p:spTree>
     <p:extLst>
       <p:ext uri="{BB962C8B-B14F-4D97-AF65-F5344CB8AC3E}">
-        <p14:creationId xmlns:p14="http://schemas.microsoft.com/office/powerpoint/2010/main" val="1423508855"/>
+        <p14:creationId xmlns:p14="http://schemas.microsoft.com/office/powerpoint/2010/main" val="3616670450"/>
       </p:ext>
     </p:extLst>
   </p:cSld>
   <p:clrMapOvr>
     <a:masterClrMapping/>
   </p:clrMapOvr>
+  <p:timing>
+    <p:tnLst>
+      <p:par>
+        <p:cTn id="1" dur="indefinite" restart="never" nodeType="tmRoot"/>
+      </p:par>
+    </p:tnLst>
+  </p:timing>
 </p:sld>
 </file>
 
